--- a/introduction/Introduction.pptx
+++ b/introduction/Introduction.pptx
@@ -7,11 +7,14 @@
   <p:sldIdLst>
     <p:sldId id="256" r:id="rId2"/>
     <p:sldId id="257" r:id="rId3"/>
-    <p:sldId id="258" r:id="rId4"/>
-    <p:sldId id="259" r:id="rId5"/>
-    <p:sldId id="260" r:id="rId6"/>
-    <p:sldId id="261" r:id="rId7"/>
-    <p:sldId id="262" r:id="rId8"/>
+    <p:sldId id="261" r:id="rId4"/>
+    <p:sldId id="263" r:id="rId5"/>
+    <p:sldId id="265" r:id="rId6"/>
+    <p:sldId id="264" r:id="rId7"/>
+    <p:sldId id="258" r:id="rId8"/>
+    <p:sldId id="259" r:id="rId9"/>
+    <p:sldId id="260" r:id="rId10"/>
+    <p:sldId id="262" r:id="rId11"/>
   </p:sldIdLst>
   <p:sldSz cx="12192000" cy="6858000"/>
   <p:notesSz cx="6858000" cy="9144000"/>
@@ -267,7 +270,7 @@
           <a:p>
             <a:fld id="{5BCDAFFE-4955-4456-973D-88ADB759138A}" type="datetimeFigureOut">
               <a:rPr lang="de-CH" smtClean="0"/>
-              <a:t>17.05.2020</a:t>
+              <a:t>23.05.20</a:t>
             </a:fld>
             <a:endParaRPr lang="de-CH"/>
           </a:p>
@@ -321,7 +324,7 @@
           <a:p>
             <a:fld id="{14704FD8-D64B-455F-B752-50E3D6A08A81}" type="slidenum">
               <a:rPr lang="de-CH" smtClean="0"/>
-              <a:t>‹Nr.›</a:t>
+              <a:t>‹#›</a:t>
             </a:fld>
             <a:endParaRPr lang="de-CH"/>
           </a:p>
@@ -467,7 +470,7 @@
           <a:p>
             <a:fld id="{5BCDAFFE-4955-4456-973D-88ADB759138A}" type="datetimeFigureOut">
               <a:rPr lang="de-CH" smtClean="0"/>
-              <a:t>17.05.2020</a:t>
+              <a:t>23.05.20</a:t>
             </a:fld>
             <a:endParaRPr lang="de-CH"/>
           </a:p>
@@ -521,7 +524,7 @@
           <a:p>
             <a:fld id="{14704FD8-D64B-455F-B752-50E3D6A08A81}" type="slidenum">
               <a:rPr lang="de-CH" smtClean="0"/>
-              <a:t>‹Nr.›</a:t>
+              <a:t>‹#›</a:t>
             </a:fld>
             <a:endParaRPr lang="de-CH"/>
           </a:p>
@@ -677,7 +680,7 @@
           <a:p>
             <a:fld id="{5BCDAFFE-4955-4456-973D-88ADB759138A}" type="datetimeFigureOut">
               <a:rPr lang="de-CH" smtClean="0"/>
-              <a:t>17.05.2020</a:t>
+              <a:t>23.05.20</a:t>
             </a:fld>
             <a:endParaRPr lang="de-CH"/>
           </a:p>
@@ -731,7 +734,7 @@
           <a:p>
             <a:fld id="{14704FD8-D64B-455F-B752-50E3D6A08A81}" type="slidenum">
               <a:rPr lang="de-CH" smtClean="0"/>
-              <a:t>‹Nr.›</a:t>
+              <a:t>‹#›</a:t>
             </a:fld>
             <a:endParaRPr lang="de-CH"/>
           </a:p>
@@ -877,7 +880,7 @@
           <a:p>
             <a:fld id="{5BCDAFFE-4955-4456-973D-88ADB759138A}" type="datetimeFigureOut">
               <a:rPr lang="de-CH" smtClean="0"/>
-              <a:t>17.05.2020</a:t>
+              <a:t>23.05.20</a:t>
             </a:fld>
             <a:endParaRPr lang="de-CH"/>
           </a:p>
@@ -931,7 +934,7 @@
           <a:p>
             <a:fld id="{14704FD8-D64B-455F-B752-50E3D6A08A81}" type="slidenum">
               <a:rPr lang="de-CH" smtClean="0"/>
-              <a:t>‹Nr.›</a:t>
+              <a:t>‹#›</a:t>
             </a:fld>
             <a:endParaRPr lang="de-CH"/>
           </a:p>
@@ -1153,7 +1156,7 @@
           <a:p>
             <a:fld id="{5BCDAFFE-4955-4456-973D-88ADB759138A}" type="datetimeFigureOut">
               <a:rPr lang="de-CH" smtClean="0"/>
-              <a:t>17.05.2020</a:t>
+              <a:t>23.05.20</a:t>
             </a:fld>
             <a:endParaRPr lang="de-CH"/>
           </a:p>
@@ -1207,7 +1210,7 @@
           <a:p>
             <a:fld id="{14704FD8-D64B-455F-B752-50E3D6A08A81}" type="slidenum">
               <a:rPr lang="de-CH" smtClean="0"/>
-              <a:t>‹Nr.›</a:t>
+              <a:t>‹#›</a:t>
             </a:fld>
             <a:endParaRPr lang="de-CH"/>
           </a:p>
@@ -1421,7 +1424,7 @@
           <a:p>
             <a:fld id="{5BCDAFFE-4955-4456-973D-88ADB759138A}" type="datetimeFigureOut">
               <a:rPr lang="de-CH" smtClean="0"/>
-              <a:t>17.05.2020</a:t>
+              <a:t>23.05.20</a:t>
             </a:fld>
             <a:endParaRPr lang="de-CH"/>
           </a:p>
@@ -1475,7 +1478,7 @@
           <a:p>
             <a:fld id="{14704FD8-D64B-455F-B752-50E3D6A08A81}" type="slidenum">
               <a:rPr lang="de-CH" smtClean="0"/>
-              <a:t>‹Nr.›</a:t>
+              <a:t>‹#›</a:t>
             </a:fld>
             <a:endParaRPr lang="de-CH"/>
           </a:p>
@@ -1836,7 +1839,7 @@
           <a:p>
             <a:fld id="{5BCDAFFE-4955-4456-973D-88ADB759138A}" type="datetimeFigureOut">
               <a:rPr lang="de-CH" smtClean="0"/>
-              <a:t>17.05.2020</a:t>
+              <a:t>23.05.20</a:t>
             </a:fld>
             <a:endParaRPr lang="de-CH"/>
           </a:p>
@@ -1890,7 +1893,7 @@
           <a:p>
             <a:fld id="{14704FD8-D64B-455F-B752-50E3D6A08A81}" type="slidenum">
               <a:rPr lang="de-CH" smtClean="0"/>
-              <a:t>‹Nr.›</a:t>
+              <a:t>‹#›</a:t>
             </a:fld>
             <a:endParaRPr lang="de-CH"/>
           </a:p>
@@ -1978,7 +1981,7 @@
           <a:p>
             <a:fld id="{5BCDAFFE-4955-4456-973D-88ADB759138A}" type="datetimeFigureOut">
               <a:rPr lang="de-CH" smtClean="0"/>
-              <a:t>17.05.2020</a:t>
+              <a:t>23.05.20</a:t>
             </a:fld>
             <a:endParaRPr lang="de-CH"/>
           </a:p>
@@ -2032,7 +2035,7 @@
           <a:p>
             <a:fld id="{14704FD8-D64B-455F-B752-50E3D6A08A81}" type="slidenum">
               <a:rPr lang="de-CH" smtClean="0"/>
-              <a:t>‹Nr.›</a:t>
+              <a:t>‹#›</a:t>
             </a:fld>
             <a:endParaRPr lang="de-CH"/>
           </a:p>
@@ -2091,7 +2094,7 @@
           <a:p>
             <a:fld id="{5BCDAFFE-4955-4456-973D-88ADB759138A}" type="datetimeFigureOut">
               <a:rPr lang="de-CH" smtClean="0"/>
-              <a:t>17.05.2020</a:t>
+              <a:t>23.05.20</a:t>
             </a:fld>
             <a:endParaRPr lang="de-CH"/>
           </a:p>
@@ -2145,7 +2148,7 @@
           <a:p>
             <a:fld id="{14704FD8-D64B-455F-B752-50E3D6A08A81}" type="slidenum">
               <a:rPr lang="de-CH" smtClean="0"/>
-              <a:t>‹Nr.›</a:t>
+              <a:t>‹#›</a:t>
             </a:fld>
             <a:endParaRPr lang="de-CH"/>
           </a:p>
@@ -2404,7 +2407,7 @@
           <a:p>
             <a:fld id="{5BCDAFFE-4955-4456-973D-88ADB759138A}" type="datetimeFigureOut">
               <a:rPr lang="de-CH" smtClean="0"/>
-              <a:t>17.05.2020</a:t>
+              <a:t>23.05.20</a:t>
             </a:fld>
             <a:endParaRPr lang="de-CH"/>
           </a:p>
@@ -2458,7 +2461,7 @@
           <a:p>
             <a:fld id="{14704FD8-D64B-455F-B752-50E3D6A08A81}" type="slidenum">
               <a:rPr lang="de-CH" smtClean="0"/>
-              <a:t>‹Nr.›</a:t>
+              <a:t>‹#›</a:t>
             </a:fld>
             <a:endParaRPr lang="de-CH"/>
           </a:p>
@@ -2693,7 +2696,7 @@
           <a:p>
             <a:fld id="{5BCDAFFE-4955-4456-973D-88ADB759138A}" type="datetimeFigureOut">
               <a:rPr lang="de-CH" smtClean="0"/>
-              <a:t>17.05.2020</a:t>
+              <a:t>23.05.20</a:t>
             </a:fld>
             <a:endParaRPr lang="de-CH"/>
           </a:p>
@@ -2747,7 +2750,7 @@
           <a:p>
             <a:fld id="{14704FD8-D64B-455F-B752-50E3D6A08A81}" type="slidenum">
               <a:rPr lang="de-CH" smtClean="0"/>
-              <a:t>‹Nr.›</a:t>
+              <a:t>‹#›</a:t>
             </a:fld>
             <a:endParaRPr lang="de-CH"/>
           </a:p>
@@ -2936,7 +2939,7 @@
           <a:p>
             <a:fld id="{5BCDAFFE-4955-4456-973D-88ADB759138A}" type="datetimeFigureOut">
               <a:rPr lang="de-CH" smtClean="0"/>
-              <a:t>17.05.2020</a:t>
+              <a:t>23.05.20</a:t>
             </a:fld>
             <a:endParaRPr lang="de-CH"/>
           </a:p>
@@ -3026,7 +3029,7 @@
           <a:p>
             <a:fld id="{14704FD8-D64B-455F-B752-50E3D6A08A81}" type="slidenum">
               <a:rPr lang="de-CH" smtClean="0"/>
-              <a:t>‹Nr.›</a:t>
+              <a:t>‹#›</a:t>
             </a:fld>
             <a:endParaRPr lang="de-CH"/>
           </a:p>
@@ -3580,6 +3583,235 @@
 </p:sld>
 </file>
 
+<file path=ppt/slides/slide10.xml><?xml version="1.0" encoding="utf-8"?>
+<p:sld xmlns:a="http://schemas.openxmlformats.org/drawingml/2006/main" xmlns:r="http://schemas.openxmlformats.org/officeDocument/2006/relationships" xmlns:p="http://schemas.openxmlformats.org/presentationml/2006/main">
+  <p:cSld>
+    <p:spTree>
+      <p:nvGrpSpPr>
+        <p:cNvPr id="1" name=""/>
+        <p:cNvGrpSpPr/>
+        <p:nvPr/>
+      </p:nvGrpSpPr>
+      <p:grpSpPr>
+        <a:xfrm>
+          <a:off x="0" y="0"/>
+          <a:ext cx="0" cy="0"/>
+          <a:chOff x="0" y="0"/>
+          <a:chExt cx="0" cy="0"/>
+        </a:xfrm>
+      </p:grpSpPr>
+      <p:sp>
+        <p:nvSpPr>
+          <p:cNvPr id="2" name="Titel 1">
+            <a:extLst>
+              <a:ext uri="{FF2B5EF4-FFF2-40B4-BE49-F238E27FC236}">
+                <a16:creationId xmlns:a16="http://schemas.microsoft.com/office/drawing/2014/main" id="{AAC192EC-D28B-4227-BAF6-8578DB5C92AB}"/>
+              </a:ext>
+            </a:extLst>
+          </p:cNvPr>
+          <p:cNvSpPr>
+            <a:spLocks noGrp="1"/>
+          </p:cNvSpPr>
+          <p:nvPr>
+            <p:ph type="title"/>
+          </p:nvPr>
+        </p:nvSpPr>
+        <p:spPr/>
+        <p:txBody>
+          <a:bodyPr/>
+          <a:lstStyle/>
+          <a:p>
+            <a:r>
+              <a:rPr lang="en-US" dirty="0"/>
+              <a:t>Useful Links</a:t>
+            </a:r>
+            <a:endParaRPr lang="de-CH" dirty="0"/>
+          </a:p>
+        </p:txBody>
+      </p:sp>
+      <p:sp>
+        <p:nvSpPr>
+          <p:cNvPr id="3" name="Inhaltsplatzhalter 2">
+            <a:extLst>
+              <a:ext uri="{FF2B5EF4-FFF2-40B4-BE49-F238E27FC236}">
+                <a16:creationId xmlns:a16="http://schemas.microsoft.com/office/drawing/2014/main" id="{70CB64E1-A6E8-4BAD-9A89-46942F51D949}"/>
+              </a:ext>
+            </a:extLst>
+          </p:cNvPr>
+          <p:cNvSpPr>
+            <a:spLocks noGrp="1"/>
+          </p:cNvSpPr>
+          <p:nvPr>
+            <p:ph idx="1"/>
+          </p:nvPr>
+        </p:nvSpPr>
+        <p:spPr/>
+        <p:txBody>
+          <a:bodyPr>
+            <a:normAutofit fontScale="92500" lnSpcReduction="20000"/>
+          </a:bodyPr>
+          <a:lstStyle/>
+          <a:p>
+            <a:r>
+              <a:rPr lang="en-US" dirty="0"/>
+              <a:t>SIB course page:</a:t>
+            </a:r>
+          </a:p>
+          <a:p>
+            <a:pPr lvl="1"/>
+            <a:r>
+              <a:rPr lang="de-CH" dirty="0">
+                <a:hlinkClick r:id="rId2"/>
+              </a:rPr>
+              <a:t>https://www.sib.swiss/training/course/2020-05-adv-scrna</a:t>
+            </a:r>
+            <a:r>
+              <a:rPr lang="de-CH" dirty="0"/>
+              <a:t> (</a:t>
+            </a:r>
+            <a:r>
+              <a:rPr lang="de-CH" dirty="0" err="1"/>
+              <a:t>announcement</a:t>
+            </a:r>
+            <a:r>
+              <a:rPr lang="de-CH" dirty="0"/>
+              <a:t>)</a:t>
+            </a:r>
+          </a:p>
+          <a:p>
+            <a:pPr lvl="1"/>
+            <a:r>
+              <a:rPr lang="de-CH" dirty="0">
+                <a:hlinkClick r:id="rId3"/>
+              </a:rPr>
+              <a:t>https://edu.sib.swiss/course/view.php?id=458</a:t>
+            </a:r>
+            <a:r>
+              <a:rPr lang="de-CH" dirty="0"/>
+              <a:t> (</a:t>
+            </a:r>
+            <a:r>
+              <a:rPr lang="de-CH" dirty="0" err="1"/>
+              <a:t>moodle</a:t>
+            </a:r>
+            <a:r>
+              <a:rPr lang="de-CH" dirty="0"/>
+              <a:t>, </a:t>
+            </a:r>
+            <a:r>
+              <a:rPr lang="de-CH" dirty="0" err="1"/>
+              <a:t>participants</a:t>
+            </a:r>
+            <a:r>
+              <a:rPr lang="de-CH" dirty="0"/>
+              <a:t> </a:t>
+            </a:r>
+            <a:r>
+              <a:rPr lang="de-CH" dirty="0" err="1"/>
+              <a:t>only</a:t>
+            </a:r>
+            <a:r>
+              <a:rPr lang="de-CH" dirty="0"/>
+              <a:t>)</a:t>
+            </a:r>
+            <a:endParaRPr lang="en-US" dirty="0"/>
+          </a:p>
+          <a:p>
+            <a:r>
+              <a:rPr lang="en-US" dirty="0"/>
+              <a:t>Course GitHub repository (slides, handouts):</a:t>
+            </a:r>
+          </a:p>
+          <a:p>
+            <a:pPr lvl="1"/>
+            <a:r>
+              <a:rPr lang="de-CH" dirty="0">
+                <a:hlinkClick r:id="rId4"/>
+              </a:rPr>
+              <a:t>https://github.com/fmicompbio/adv_scrnaseq_2020</a:t>
+            </a:r>
+            <a:endParaRPr lang="en-US" dirty="0"/>
+          </a:p>
+          <a:p>
+            <a:r>
+              <a:rPr lang="en-US" dirty="0" err="1"/>
+              <a:t>Renkulab</a:t>
+            </a:r>
+            <a:r>
+              <a:rPr lang="en-US" dirty="0"/>
+              <a:t> project (compute environment):</a:t>
+            </a:r>
+          </a:p>
+          <a:p>
+            <a:pPr lvl="1"/>
+            <a:r>
+              <a:rPr lang="de-CH" dirty="0">
+                <a:hlinkClick r:id="rId5"/>
+              </a:rPr>
+              <a:t>https://renkulab.io/projects/stadler.michael/adv_scrnaseq_2020</a:t>
+            </a:r>
+            <a:endParaRPr lang="en-US" dirty="0"/>
+          </a:p>
+          <a:p>
+            <a:r>
+              <a:rPr lang="en-US" dirty="0"/>
+              <a:t>R/Python:</a:t>
+            </a:r>
+          </a:p>
+          <a:p>
+            <a:pPr lvl="1"/>
+            <a:r>
+              <a:rPr lang="de-CH" dirty="0">
+                <a:hlinkClick r:id="rId6"/>
+              </a:rPr>
+              <a:t>https://rstudio.github.io/reticulate/</a:t>
+            </a:r>
+            <a:endParaRPr lang="de-CH" dirty="0"/>
+          </a:p>
+          <a:p>
+            <a:pPr lvl="1"/>
+            <a:r>
+              <a:rPr lang="de-CH" dirty="0">
+                <a:hlinkClick r:id="rId7"/>
+              </a:rPr>
+              <a:t>https://rpy2.github.io/</a:t>
+            </a:r>
+            <a:endParaRPr lang="en-US" dirty="0"/>
+          </a:p>
+          <a:p>
+            <a:r>
+              <a:rPr lang="en-US" dirty="0"/>
+              <a:t>Single cell RNA-seq analysis:</a:t>
+            </a:r>
+          </a:p>
+          <a:p>
+            <a:pPr lvl="1"/>
+            <a:r>
+              <a:rPr lang="de-CH" dirty="0">
+                <a:hlinkClick r:id="rId8"/>
+              </a:rPr>
+              <a:t>https://osca.bioconductor.org/</a:t>
+            </a:r>
+            <a:endParaRPr lang="en-US" dirty="0"/>
+          </a:p>
+          <a:p>
+            <a:endParaRPr lang="de-CH" dirty="0"/>
+          </a:p>
+        </p:txBody>
+      </p:sp>
+    </p:spTree>
+    <p:extLst>
+      <p:ext uri="{BB962C8B-B14F-4D97-AF65-F5344CB8AC3E}">
+        <p14:creationId xmlns:p14="http://schemas.microsoft.com/office/powerpoint/2010/main" val="2628738716"/>
+      </p:ext>
+    </p:extLst>
+  </p:cSld>
+  <p:clrMapOvr>
+    <a:masterClrMapping/>
+  </p:clrMapOvr>
+</p:sld>
+</file>
+
 <file path=ppt/slides/slide2.xml><?xml version="1.0" encoding="utf-8"?>
 <p:sld xmlns:a="http://schemas.openxmlformats.org/drawingml/2006/main" xmlns:r="http://schemas.openxmlformats.org/officeDocument/2006/relationships" xmlns:p="http://schemas.openxmlformats.org/presentationml/2006/main">
   <p:cSld>
@@ -3686,7 +3918,7 @@
           <p:cNvPr id="2" name="Titel 1">
             <a:extLst>
               <a:ext uri="{FF2B5EF4-FFF2-40B4-BE49-F238E27FC236}">
-                <a16:creationId xmlns:a16="http://schemas.microsoft.com/office/drawing/2014/main" id="{79942839-1E0C-44B8-8ECD-CDEB1364CA1E}"/>
+                <a16:creationId xmlns:a16="http://schemas.microsoft.com/office/drawing/2014/main" id="{7E404866-664B-46B4-AE1B-6391963D9C12}"/>
               </a:ext>
             </a:extLst>
           </p:cNvPr>
@@ -3704,7 +3936,7 @@
           <a:p>
             <a:r>
               <a:rPr lang="en-US" dirty="0"/>
-              <a:t>Course Overview (Program)</a:t>
+              <a:t>Setup of working environment</a:t>
             </a:r>
             <a:endParaRPr lang="de-CH" dirty="0"/>
           </a:p>
@@ -3715,7 +3947,7 @@
           <p:cNvPr id="3" name="Inhaltsplatzhalter 2">
             <a:extLst>
               <a:ext uri="{FF2B5EF4-FFF2-40B4-BE49-F238E27FC236}">
-                <a16:creationId xmlns:a16="http://schemas.microsoft.com/office/drawing/2014/main" id="{CA14E9B3-69A4-4AEA-9C2A-08B1379DB9BD}"/>
+                <a16:creationId xmlns:a16="http://schemas.microsoft.com/office/drawing/2014/main" id="{A064E27F-F2F3-40DE-BA73-A3EA350E07C8}"/>
               </a:ext>
             </a:extLst>
           </p:cNvPr>
@@ -3731,14 +3963,98 @@
           <a:bodyPr/>
           <a:lstStyle/>
           <a:p>
-            <a:endParaRPr lang="de-CH"/>
+            <a:r>
+              <a:rPr lang="en-US" dirty="0"/>
+              <a:t>Zoom</a:t>
+            </a:r>
+          </a:p>
+          <a:p>
+            <a:pPr lvl="1"/>
+            <a:r>
+              <a:rPr lang="en-US" dirty="0"/>
+              <a:t>Test important functionality (breakout rooms, feedback signs, polls)</a:t>
+            </a:r>
+          </a:p>
+          <a:p>
+            <a:r>
+              <a:rPr lang="en-US" dirty="0"/>
+              <a:t>Slack workspace</a:t>
+            </a:r>
+          </a:p>
+          <a:p>
+            <a:pPr lvl="1"/>
+            <a:r>
+              <a:rPr lang="en-US" dirty="0"/>
+              <a:t>Exchange between course participants, quick questions, technical support</a:t>
+            </a:r>
+          </a:p>
+          <a:p>
+            <a:pPr lvl="1"/>
+            <a:r>
+              <a:rPr lang="en-US" dirty="0"/>
+              <a:t>Will exist beyond the course</a:t>
+            </a:r>
+          </a:p>
+          <a:p>
+            <a:r>
+              <a:rPr lang="de-CH" dirty="0" err="1"/>
+              <a:t>HackMD</a:t>
+            </a:r>
+            <a:r>
+              <a:rPr lang="de-CH" dirty="0"/>
+              <a:t> </a:t>
+            </a:r>
+            <a:r>
+              <a:rPr lang="de-CH" dirty="0" err="1"/>
+              <a:t>document</a:t>
+            </a:r>
+            <a:endParaRPr lang="de-CH" dirty="0"/>
+          </a:p>
+          <a:p>
+            <a:pPr lvl="1"/>
+            <a:r>
+              <a:rPr lang="de-CH" dirty="0"/>
+              <a:t>Collaborative </a:t>
+            </a:r>
+            <a:r>
+              <a:rPr lang="de-CH" dirty="0" err="1"/>
+              <a:t>note</a:t>
+            </a:r>
+            <a:r>
+              <a:rPr lang="de-CH" dirty="0"/>
+              <a:t> </a:t>
+            </a:r>
+            <a:r>
+              <a:rPr lang="de-CH" dirty="0" err="1"/>
+              <a:t>taking</a:t>
+            </a:r>
+            <a:r>
+              <a:rPr lang="de-CH" dirty="0"/>
+              <a:t>, </a:t>
+            </a:r>
+            <a:r>
+              <a:rPr lang="de-CH" dirty="0" err="1"/>
+              <a:t>questions</a:t>
+            </a:r>
+            <a:endParaRPr lang="de-CH" dirty="0"/>
+          </a:p>
+          <a:p>
+            <a:r>
+              <a:rPr lang="en-US" dirty="0"/>
+              <a:t>This is a professional environment – we expect professional </a:t>
+            </a:r>
+            <a:r>
+              <a:rPr lang="en-US" dirty="0" err="1"/>
+              <a:t>behaviour</a:t>
+            </a:r>
+            <a:endParaRPr lang="en-US" dirty="0"/>
           </a:p>
         </p:txBody>
       </p:sp>
     </p:spTree>
     <p:extLst>
       <p:ext uri="{BB962C8B-B14F-4D97-AF65-F5344CB8AC3E}">
-        <p14:creationId xmlns:p14="http://schemas.microsoft.com/office/powerpoint/2010/main" val="1552559369"/>
+        <p14:creationId xmlns:p14="http://schemas.microsoft.com/office/powerpoint/2010/main" val="1137958664"/>
       </p:ext>
     </p:extLst>
   </p:cSld>
@@ -3765,80 +4081,98 @@
           <a:chExt cx="0" cy="0"/>
         </a:xfrm>
       </p:grpSpPr>
-      <p:sp>
-        <p:nvSpPr>
-          <p:cNvPr id="2" name="Titel 1">
-            <a:extLst>
-              <a:ext uri="{FF2B5EF4-FFF2-40B4-BE49-F238E27FC236}">
-                <a16:creationId xmlns:a16="http://schemas.microsoft.com/office/drawing/2014/main" id="{4D042ED6-D651-4B6C-B529-20520C125ECC}"/>
-              </a:ext>
-            </a:extLst>
-          </p:cNvPr>
-          <p:cNvSpPr>
-            <a:spLocks noGrp="1"/>
-          </p:cNvSpPr>
-          <p:nvPr>
-            <p:ph type="title"/>
-          </p:nvPr>
-        </p:nvSpPr>
-        <p:spPr/>
-        <p:txBody>
-          <a:bodyPr/>
-          <a:lstStyle/>
-          <a:p>
-            <a:r>
-              <a:rPr lang="en-US" dirty="0"/>
-              <a:t>Expected Prerequisites</a:t>
-            </a:r>
-            <a:endParaRPr lang="de-CH" dirty="0"/>
-          </a:p>
-        </p:txBody>
-      </p:sp>
-      <p:sp>
-        <p:nvSpPr>
-          <p:cNvPr id="3" name="Inhaltsplatzhalter 2">
-            <a:extLst>
-              <a:ext uri="{FF2B5EF4-FFF2-40B4-BE49-F238E27FC236}">
-                <a16:creationId xmlns:a16="http://schemas.microsoft.com/office/drawing/2014/main" id="{384EC0E0-1BEE-440A-9926-4D97BECD555F}"/>
-              </a:ext>
-            </a:extLst>
-          </p:cNvPr>
-          <p:cNvSpPr>
-            <a:spLocks noGrp="1"/>
-          </p:cNvSpPr>
-          <p:nvPr>
-            <p:ph idx="1"/>
-          </p:nvPr>
-        </p:nvSpPr>
-        <p:spPr/>
-        <p:txBody>
-          <a:bodyPr/>
-          <a:lstStyle/>
-          <a:p>
-            <a:r>
-              <a:rPr lang="en-US" dirty="0"/>
-              <a:t>R/python scripting (link1, link2)</a:t>
-            </a:r>
-          </a:p>
-          <a:p>
-            <a:r>
-              <a:rPr lang="en-US" dirty="0"/>
-              <a:t>git</a:t>
-            </a:r>
-          </a:p>
-          <a:p>
-            <a:r>
-              <a:rPr lang="en-US" dirty="0"/>
-              <a:t>Single cell analysis workflow (link1, link2)</a:t>
-            </a:r>
-            <a:endParaRPr lang="de-CH" dirty="0"/>
+      <p:pic>
+        <p:nvPicPr>
+          <p:cNvPr id="7" name="Picture 6">
+            <a:extLst>
+              <a:ext uri="{FF2B5EF4-FFF2-40B4-BE49-F238E27FC236}">
+                <a16:creationId xmlns:a16="http://schemas.microsoft.com/office/drawing/2014/main" id="{D7F39EEF-2AD6-3A42-A8B8-290002281443}"/>
+              </a:ext>
+            </a:extLst>
+          </p:cNvPr>
+          <p:cNvPicPr>
+            <a:picLocks noChangeAspect="1"/>
+          </p:cNvPicPr>
+          <p:nvPr/>
+        </p:nvPicPr>
+        <p:blipFill>
+          <a:blip r:embed="rId2">
+            <a:extLst>
+              <a:ext uri="{28A0092B-C50C-407E-A947-70E740481C1C}">
+                <a14:useLocalDpi xmlns:a14="http://schemas.microsoft.com/office/drawing/2010/main" val="0"/>
+              </a:ext>
+            </a:extLst>
+          </a:blip>
+          <a:stretch>
+            <a:fillRect/>
+          </a:stretch>
+        </p:blipFill>
+        <p:spPr>
+          <a:xfrm>
+            <a:off x="0" y="281170"/>
+            <a:ext cx="12191999" cy="6295659"/>
+          </a:xfrm>
+          <a:prstGeom prst="rect">
+            <a:avLst/>
+          </a:prstGeom>
+        </p:spPr>
+      </p:pic>
+      <p:sp>
+        <p:nvSpPr>
+          <p:cNvPr id="13" name="Rounded Rectangle 12">
+            <a:extLst>
+              <a:ext uri="{FF2B5EF4-FFF2-40B4-BE49-F238E27FC236}">
+                <a16:creationId xmlns:a16="http://schemas.microsoft.com/office/drawing/2014/main" id="{30433E81-185F-C545-A0F0-335D18DDDB6F}"/>
+              </a:ext>
+            </a:extLst>
+          </p:cNvPr>
+          <p:cNvSpPr/>
+          <p:nvPr/>
+        </p:nvSpPr>
+        <p:spPr>
+          <a:xfrm>
+            <a:off x="14750" y="6046838"/>
+            <a:ext cx="1666565" cy="574235"/>
+          </a:xfrm>
+          <a:prstGeom prst="roundRect">
+            <a:avLst/>
+          </a:prstGeom>
+          <a:noFill/>
+          <a:ln w="88900">
+            <a:solidFill>
+              <a:srgbClr val="FF0000"/>
+            </a:solidFill>
+          </a:ln>
+        </p:spPr>
+        <p:style>
+          <a:lnRef idx="2">
+            <a:schemeClr val="accent1">
+              <a:shade val="50000"/>
+            </a:schemeClr>
+          </a:lnRef>
+          <a:fillRef idx="1">
+            <a:schemeClr val="accent1"/>
+          </a:fillRef>
+          <a:effectRef idx="0">
+            <a:schemeClr val="accent1"/>
+          </a:effectRef>
+          <a:fontRef idx="minor">
+            <a:schemeClr val="lt1"/>
+          </a:fontRef>
+        </p:style>
+        <p:txBody>
+          <a:bodyPr rtlCol="0" anchor="ctr"/>
+          <a:lstStyle/>
+          <a:p>
+            <a:pPr algn="ctr"/>
+            <a:endParaRPr lang="en-CH"/>
           </a:p>
         </p:txBody>
       </p:sp>
     </p:spTree>
     <p:extLst>
       <p:ext uri="{BB962C8B-B14F-4D97-AF65-F5344CB8AC3E}">
-        <p14:creationId xmlns:p14="http://schemas.microsoft.com/office/powerpoint/2010/main" val="3553487950"/>
+        <p14:creationId xmlns:p14="http://schemas.microsoft.com/office/powerpoint/2010/main" val="3033628123"/>
       </p:ext>
     </p:extLst>
   </p:cSld>
@@ -3865,64 +4199,150 @@
           <a:chExt cx="0" cy="0"/>
         </a:xfrm>
       </p:grpSpPr>
-      <p:sp>
-        <p:nvSpPr>
-          <p:cNvPr id="2" name="Titel 1">
-            <a:extLst>
-              <a:ext uri="{FF2B5EF4-FFF2-40B4-BE49-F238E27FC236}">
-                <a16:creationId xmlns:a16="http://schemas.microsoft.com/office/drawing/2014/main" id="{E8E86940-593D-4256-BA84-A6D13BCA922A}"/>
-              </a:ext>
-            </a:extLst>
-          </p:cNvPr>
-          <p:cNvSpPr>
-            <a:spLocks noGrp="1"/>
-          </p:cNvSpPr>
-          <p:nvPr>
-            <p:ph type="title"/>
-          </p:nvPr>
-        </p:nvSpPr>
-        <p:spPr/>
-        <p:txBody>
-          <a:bodyPr/>
-          <a:lstStyle/>
-          <a:p>
-            <a:r>
-              <a:rPr lang="en-US" dirty="0"/>
-              <a:t>“Ice-breaker”</a:t>
-            </a:r>
-            <a:endParaRPr lang="de-CH" dirty="0"/>
-          </a:p>
-        </p:txBody>
-      </p:sp>
-      <p:sp>
-        <p:nvSpPr>
-          <p:cNvPr id="3" name="Inhaltsplatzhalter 2">
-            <a:extLst>
-              <a:ext uri="{FF2B5EF4-FFF2-40B4-BE49-F238E27FC236}">
-                <a16:creationId xmlns:a16="http://schemas.microsoft.com/office/drawing/2014/main" id="{938C2D13-53DC-46BB-92FD-89C3B3DED61D}"/>
-              </a:ext>
-            </a:extLst>
-          </p:cNvPr>
-          <p:cNvSpPr>
-            <a:spLocks noGrp="1"/>
-          </p:cNvSpPr>
-          <p:nvPr>
-            <p:ph idx="1"/>
-          </p:nvPr>
-        </p:nvSpPr>
-        <p:spPr/>
-        <p:txBody>
-          <a:bodyPr/>
-          <a:lstStyle/>
-          <a:p>
-            <a:endParaRPr lang="de-CH"/>
+      <p:pic>
+        <p:nvPicPr>
+          <p:cNvPr id="7" name="Picture 6">
+            <a:extLst>
+              <a:ext uri="{FF2B5EF4-FFF2-40B4-BE49-F238E27FC236}">
+                <a16:creationId xmlns:a16="http://schemas.microsoft.com/office/drawing/2014/main" id="{D7F39EEF-2AD6-3A42-A8B8-290002281443}"/>
+              </a:ext>
+            </a:extLst>
+          </p:cNvPr>
+          <p:cNvPicPr>
+            <a:picLocks noChangeAspect="1"/>
+          </p:cNvPicPr>
+          <p:nvPr/>
+        </p:nvPicPr>
+        <p:blipFill>
+          <a:blip r:embed="rId2">
+            <a:extLst>
+              <a:ext uri="{28A0092B-C50C-407E-A947-70E740481C1C}">
+                <a14:useLocalDpi xmlns:a14="http://schemas.microsoft.com/office/drawing/2010/main" val="0"/>
+              </a:ext>
+            </a:extLst>
+          </a:blip>
+          <a:stretch>
+            <a:fillRect/>
+          </a:stretch>
+        </p:blipFill>
+        <p:spPr>
+          <a:xfrm>
+            <a:off x="0" y="281170"/>
+            <a:ext cx="12191999" cy="6295659"/>
+          </a:xfrm>
+          <a:prstGeom prst="rect">
+            <a:avLst/>
+          </a:prstGeom>
+        </p:spPr>
+      </p:pic>
+      <p:sp>
+        <p:nvSpPr>
+          <p:cNvPr id="13" name="Rounded Rectangle 12">
+            <a:extLst>
+              <a:ext uri="{FF2B5EF4-FFF2-40B4-BE49-F238E27FC236}">
+                <a16:creationId xmlns:a16="http://schemas.microsoft.com/office/drawing/2014/main" id="{30433E81-185F-C545-A0F0-335D18DDDB6F}"/>
+              </a:ext>
+            </a:extLst>
+          </p:cNvPr>
+          <p:cNvSpPr/>
+          <p:nvPr/>
+        </p:nvSpPr>
+        <p:spPr>
+          <a:xfrm>
+            <a:off x="3672348" y="6046838"/>
+            <a:ext cx="737420" cy="574235"/>
+          </a:xfrm>
+          <a:prstGeom prst="roundRect">
+            <a:avLst/>
+          </a:prstGeom>
+          <a:noFill/>
+          <a:ln w="88900">
+            <a:solidFill>
+              <a:srgbClr val="FF0000"/>
+            </a:solidFill>
+          </a:ln>
+        </p:spPr>
+        <p:style>
+          <a:lnRef idx="2">
+            <a:schemeClr val="accent1">
+              <a:shade val="50000"/>
+            </a:schemeClr>
+          </a:lnRef>
+          <a:fillRef idx="1">
+            <a:schemeClr val="accent1"/>
+          </a:fillRef>
+          <a:effectRef idx="0">
+            <a:schemeClr val="accent1"/>
+          </a:effectRef>
+          <a:fontRef idx="minor">
+            <a:schemeClr val="lt1"/>
+          </a:fontRef>
+        </p:style>
+        <p:txBody>
+          <a:bodyPr rtlCol="0" anchor="ctr"/>
+          <a:lstStyle/>
+          <a:p>
+            <a:pPr algn="ctr"/>
+            <a:endParaRPr lang="en-CH"/>
+          </a:p>
+        </p:txBody>
+      </p:sp>
+      <p:sp>
+        <p:nvSpPr>
+          <p:cNvPr id="14" name="Rounded Rectangle 13">
+            <a:extLst>
+              <a:ext uri="{FF2B5EF4-FFF2-40B4-BE49-F238E27FC236}">
+                <a16:creationId xmlns:a16="http://schemas.microsoft.com/office/drawing/2014/main" id="{86FF63DB-0F8A-B74B-903D-746AC82066E0}"/>
+              </a:ext>
+            </a:extLst>
+          </p:cNvPr>
+          <p:cNvSpPr/>
+          <p:nvPr/>
+        </p:nvSpPr>
+        <p:spPr>
+          <a:xfrm>
+            <a:off x="9089921" y="2659625"/>
+            <a:ext cx="3102077" cy="1056969"/>
+          </a:xfrm>
+          <a:prstGeom prst="roundRect">
+            <a:avLst/>
+          </a:prstGeom>
+          <a:noFill/>
+          <a:ln w="88900">
+            <a:solidFill>
+              <a:srgbClr val="FF0000"/>
+            </a:solidFill>
+          </a:ln>
+        </p:spPr>
+        <p:style>
+          <a:lnRef idx="2">
+            <a:schemeClr val="accent1">
+              <a:shade val="50000"/>
+            </a:schemeClr>
+          </a:lnRef>
+          <a:fillRef idx="1">
+            <a:schemeClr val="accent1"/>
+          </a:fillRef>
+          <a:effectRef idx="0">
+            <a:schemeClr val="accent1"/>
+          </a:effectRef>
+          <a:fontRef idx="minor">
+            <a:schemeClr val="lt1"/>
+          </a:fontRef>
+        </p:style>
+        <p:txBody>
+          <a:bodyPr rtlCol="0" anchor="ctr"/>
+          <a:lstStyle/>
+          <a:p>
+            <a:pPr algn="ctr"/>
+            <a:endParaRPr lang="en-CH"/>
           </a:p>
         </p:txBody>
       </p:sp>
     </p:spTree>
     <p:extLst>
       <p:ext uri="{BB962C8B-B14F-4D97-AF65-F5344CB8AC3E}">
-        <p14:creationId xmlns:p14="http://schemas.microsoft.com/office/powerpoint/2010/main" val="1398658155"/>
+        <p14:creationId xmlns:p14="http://schemas.microsoft.com/office/powerpoint/2010/main" val="41255739"/>
       </p:ext>
     </p:extLst>
   </p:cSld>
@@ -3949,102 +4369,150 @@
           <a:chExt cx="0" cy="0"/>
         </a:xfrm>
       </p:grpSpPr>
-      <p:sp>
-        <p:nvSpPr>
-          <p:cNvPr id="2" name="Titel 1">
-            <a:extLst>
-              <a:ext uri="{FF2B5EF4-FFF2-40B4-BE49-F238E27FC236}">
-                <a16:creationId xmlns:a16="http://schemas.microsoft.com/office/drawing/2014/main" id="{7E404866-664B-46B4-AE1B-6391963D9C12}"/>
-              </a:ext>
-            </a:extLst>
-          </p:cNvPr>
-          <p:cNvSpPr>
-            <a:spLocks noGrp="1"/>
-          </p:cNvSpPr>
-          <p:nvPr>
-            <p:ph type="title"/>
-          </p:nvPr>
-        </p:nvSpPr>
-        <p:spPr/>
-        <p:txBody>
-          <a:bodyPr/>
-          <a:lstStyle/>
-          <a:p>
-            <a:r>
-              <a:rPr lang="en-US" dirty="0"/>
-              <a:t>Setup of working environment</a:t>
-            </a:r>
-            <a:endParaRPr lang="de-CH" dirty="0"/>
-          </a:p>
-        </p:txBody>
-      </p:sp>
-      <p:sp>
-        <p:nvSpPr>
-          <p:cNvPr id="3" name="Inhaltsplatzhalter 2">
-            <a:extLst>
-              <a:ext uri="{FF2B5EF4-FFF2-40B4-BE49-F238E27FC236}">
-                <a16:creationId xmlns:a16="http://schemas.microsoft.com/office/drawing/2014/main" id="{A064E27F-F2F3-40DE-BA73-A3EA350E07C8}"/>
-              </a:ext>
-            </a:extLst>
-          </p:cNvPr>
-          <p:cNvSpPr>
-            <a:spLocks noGrp="1"/>
-          </p:cNvSpPr>
-          <p:nvPr>
-            <p:ph idx="1"/>
-          </p:nvPr>
-        </p:nvSpPr>
-        <p:spPr/>
-        <p:txBody>
-          <a:bodyPr/>
-          <a:lstStyle/>
-          <a:p>
-            <a:r>
-              <a:rPr lang="en-US" dirty="0"/>
-              <a:t>Slack workspace</a:t>
-            </a:r>
-          </a:p>
-          <a:p>
-            <a:pPr lvl="1"/>
-            <a:r>
-              <a:rPr lang="en-US" dirty="0"/>
-              <a:t>Exchange between course participants</a:t>
-            </a:r>
-          </a:p>
-          <a:p>
-            <a:pPr lvl="1"/>
-            <a:r>
-              <a:rPr lang="en-US" dirty="0"/>
-              <a:t>Will exist beyond course</a:t>
-            </a:r>
-          </a:p>
-          <a:p>
-            <a:r>
-              <a:rPr lang="en-US" dirty="0"/>
-              <a:t>Zoom</a:t>
-            </a:r>
-          </a:p>
-          <a:p>
-            <a:pPr lvl="1"/>
-            <a:r>
-              <a:rPr lang="en-US" dirty="0"/>
-              <a:t>Test important functionality (breakout rooms, feedback signs, polls)</a:t>
-            </a:r>
-          </a:p>
-          <a:p>
-            <a:pPr lvl="1"/>
-            <a:r>
-              <a:rPr lang="en-US" dirty="0"/>
-              <a:t>renkulab.io</a:t>
-            </a:r>
-            <a:endParaRPr lang="de-CH" dirty="0"/>
+      <p:pic>
+        <p:nvPicPr>
+          <p:cNvPr id="7" name="Picture 6">
+            <a:extLst>
+              <a:ext uri="{FF2B5EF4-FFF2-40B4-BE49-F238E27FC236}">
+                <a16:creationId xmlns:a16="http://schemas.microsoft.com/office/drawing/2014/main" id="{D7F39EEF-2AD6-3A42-A8B8-290002281443}"/>
+              </a:ext>
+            </a:extLst>
+          </p:cNvPr>
+          <p:cNvPicPr>
+            <a:picLocks noChangeAspect="1"/>
+          </p:cNvPicPr>
+          <p:nvPr/>
+        </p:nvPicPr>
+        <p:blipFill>
+          <a:blip r:embed="rId2">
+            <a:extLst>
+              <a:ext uri="{28A0092B-C50C-407E-A947-70E740481C1C}">
+                <a14:useLocalDpi xmlns:a14="http://schemas.microsoft.com/office/drawing/2010/main" val="0"/>
+              </a:ext>
+            </a:extLst>
+          </a:blip>
+          <a:stretch>
+            <a:fillRect/>
+          </a:stretch>
+        </p:blipFill>
+        <p:spPr>
+          <a:xfrm>
+            <a:off x="0" y="281170"/>
+            <a:ext cx="12191999" cy="6295659"/>
+          </a:xfrm>
+          <a:prstGeom prst="rect">
+            <a:avLst/>
+          </a:prstGeom>
+        </p:spPr>
+      </p:pic>
+      <p:sp>
+        <p:nvSpPr>
+          <p:cNvPr id="5" name="Rounded Rectangle 4">
+            <a:extLst>
+              <a:ext uri="{FF2B5EF4-FFF2-40B4-BE49-F238E27FC236}">
+                <a16:creationId xmlns:a16="http://schemas.microsoft.com/office/drawing/2014/main" id="{3C33129D-D283-A245-A478-96EA0EBC9BE1}"/>
+              </a:ext>
+            </a:extLst>
+          </p:cNvPr>
+          <p:cNvSpPr/>
+          <p:nvPr/>
+        </p:nvSpPr>
+        <p:spPr>
+          <a:xfrm>
+            <a:off x="5235678" y="6046838"/>
+            <a:ext cx="737420" cy="574235"/>
+          </a:xfrm>
+          <a:prstGeom prst="roundRect">
+            <a:avLst/>
+          </a:prstGeom>
+          <a:noFill/>
+          <a:ln w="88900">
+            <a:solidFill>
+              <a:srgbClr val="FF0000"/>
+            </a:solidFill>
+          </a:ln>
+        </p:spPr>
+        <p:style>
+          <a:lnRef idx="2">
+            <a:schemeClr val="accent1">
+              <a:shade val="50000"/>
+            </a:schemeClr>
+          </a:lnRef>
+          <a:fillRef idx="1">
+            <a:schemeClr val="accent1"/>
+          </a:fillRef>
+          <a:effectRef idx="0">
+            <a:schemeClr val="accent1"/>
+          </a:effectRef>
+          <a:fontRef idx="minor">
+            <a:schemeClr val="lt1"/>
+          </a:fontRef>
+        </p:style>
+        <p:txBody>
+          <a:bodyPr rtlCol="0" anchor="ctr"/>
+          <a:lstStyle/>
+          <a:p>
+            <a:pPr algn="ctr"/>
+            <a:endParaRPr lang="en-CH"/>
+          </a:p>
+        </p:txBody>
+      </p:sp>
+      <p:sp>
+        <p:nvSpPr>
+          <p:cNvPr id="6" name="Rounded Rectangle 5">
+            <a:extLst>
+              <a:ext uri="{FF2B5EF4-FFF2-40B4-BE49-F238E27FC236}">
+                <a16:creationId xmlns:a16="http://schemas.microsoft.com/office/drawing/2014/main" id="{04903E20-7BF6-A442-ACC0-95CD870AFD8D}"/>
+              </a:ext>
+            </a:extLst>
+          </p:cNvPr>
+          <p:cNvSpPr/>
+          <p:nvPr/>
+        </p:nvSpPr>
+        <p:spPr>
+          <a:xfrm>
+            <a:off x="9040760" y="3583857"/>
+            <a:ext cx="3151239" cy="2992972"/>
+          </a:xfrm>
+          <a:prstGeom prst="roundRect">
+            <a:avLst/>
+          </a:prstGeom>
+          <a:noFill/>
+          <a:ln w="88900">
+            <a:solidFill>
+              <a:srgbClr val="FF0000"/>
+            </a:solidFill>
+          </a:ln>
+        </p:spPr>
+        <p:style>
+          <a:lnRef idx="2">
+            <a:schemeClr val="accent1">
+              <a:shade val="50000"/>
+            </a:schemeClr>
+          </a:lnRef>
+          <a:fillRef idx="1">
+            <a:schemeClr val="accent1"/>
+          </a:fillRef>
+          <a:effectRef idx="0">
+            <a:schemeClr val="accent1"/>
+          </a:effectRef>
+          <a:fontRef idx="minor">
+            <a:schemeClr val="lt1"/>
+          </a:fontRef>
+        </p:style>
+        <p:txBody>
+          <a:bodyPr rtlCol="0" anchor="ctr"/>
+          <a:lstStyle/>
+          <a:p>
+            <a:pPr algn="ctr"/>
+            <a:endParaRPr lang="en-CH"/>
           </a:p>
         </p:txBody>
       </p:sp>
     </p:spTree>
     <p:extLst>
       <p:ext uri="{BB962C8B-B14F-4D97-AF65-F5344CB8AC3E}">
-        <p14:creationId xmlns:p14="http://schemas.microsoft.com/office/powerpoint/2010/main" val="1137958664"/>
+        <p14:creationId xmlns:p14="http://schemas.microsoft.com/office/powerpoint/2010/main" val="939620495"/>
       </p:ext>
     </p:extLst>
   </p:cSld>
@@ -4076,7 +4544,7 @@
           <p:cNvPr id="2" name="Titel 1">
             <a:extLst>
               <a:ext uri="{FF2B5EF4-FFF2-40B4-BE49-F238E27FC236}">
-                <a16:creationId xmlns:a16="http://schemas.microsoft.com/office/drawing/2014/main" id="{AAC192EC-D28B-4227-BAF6-8578DB5C92AB}"/>
+                <a16:creationId xmlns:a16="http://schemas.microsoft.com/office/drawing/2014/main" id="{79942839-1E0C-44B8-8ECD-CDEB1364CA1E}"/>
               </a:ext>
             </a:extLst>
           </p:cNvPr>
@@ -4094,7 +4562,7 @@
           <a:p>
             <a:r>
               <a:rPr lang="en-US" dirty="0"/>
-              <a:t>Useful Links</a:t>
+              <a:t>Course Overview (Program)</a:t>
             </a:r>
             <a:endParaRPr lang="de-CH" dirty="0"/>
           </a:p>
@@ -4105,7 +4573,7 @@
           <p:cNvPr id="3" name="Inhaltsplatzhalter 2">
             <a:extLst>
               <a:ext uri="{FF2B5EF4-FFF2-40B4-BE49-F238E27FC236}">
-                <a16:creationId xmlns:a16="http://schemas.microsoft.com/office/drawing/2014/main" id="{70CB64E1-A6E8-4BAD-9A89-46942F51D949}"/>
+                <a16:creationId xmlns:a16="http://schemas.microsoft.com/office/drawing/2014/main" id="{CA14E9B3-69A4-4AEA-9C2A-08B1379DB9BD}"/>
               </a:ext>
             </a:extLst>
           </p:cNvPr>
@@ -4118,158 +4586,201 @@
         </p:nvSpPr>
         <p:spPr/>
         <p:txBody>
-          <a:bodyPr>
-            <a:normAutofit fontScale="92500" lnSpcReduction="20000"/>
-          </a:bodyPr>
-          <a:lstStyle/>
-          <a:p>
-            <a:r>
-              <a:rPr lang="en-US" dirty="0"/>
-              <a:t>Course SIB page:</a:t>
-            </a:r>
-          </a:p>
-          <a:p>
-            <a:pPr lvl="1"/>
-            <a:r>
-              <a:rPr lang="de-CH" dirty="0">
-                <a:hlinkClick r:id="rId2"/>
-              </a:rPr>
-              <a:t>https://www.sib.swiss/training/course/2020-05-adv-scrna</a:t>
-            </a:r>
-            <a:r>
-              <a:rPr lang="de-CH" dirty="0"/>
-              <a:t> (</a:t>
-            </a:r>
-            <a:r>
-              <a:rPr lang="de-CH" dirty="0" err="1"/>
-              <a:t>announcement</a:t>
-            </a:r>
-            <a:r>
-              <a:rPr lang="de-CH" dirty="0"/>
-              <a:t>)</a:t>
-            </a:r>
-          </a:p>
-          <a:p>
-            <a:pPr lvl="1"/>
-            <a:r>
-              <a:rPr lang="de-CH" dirty="0">
-                <a:hlinkClick r:id="rId3"/>
-              </a:rPr>
-              <a:t>https://edu.sib.swiss/course/view.php?id=458</a:t>
-            </a:r>
-            <a:r>
-              <a:rPr lang="de-CH" dirty="0"/>
-              <a:t> (</a:t>
-            </a:r>
-            <a:r>
-              <a:rPr lang="de-CH" dirty="0" err="1"/>
-              <a:t>moodle</a:t>
-            </a:r>
-            <a:r>
-              <a:rPr lang="de-CH" dirty="0"/>
-              <a:t>, </a:t>
-            </a:r>
-            <a:r>
-              <a:rPr lang="de-CH" dirty="0" err="1"/>
-              <a:t>participants</a:t>
-            </a:r>
-            <a:r>
-              <a:rPr lang="de-CH" dirty="0"/>
-              <a:t> </a:t>
-            </a:r>
-            <a:r>
-              <a:rPr lang="de-CH"/>
-              <a:t>only)</a:t>
-            </a:r>
-            <a:endParaRPr lang="en-US" dirty="0"/>
-          </a:p>
-          <a:p>
-            <a:r>
-              <a:rPr lang="en-US" dirty="0"/>
-              <a:t>Course GitHub repository (slides, handouts):</a:t>
-            </a:r>
-          </a:p>
-          <a:p>
-            <a:pPr lvl="1"/>
-            <a:r>
-              <a:rPr lang="de-CH" dirty="0">
-                <a:hlinkClick r:id="rId4"/>
-              </a:rPr>
-              <a:t>https://github.com/fmicompbio/adv_scrnaseq_2020</a:t>
-            </a:r>
-            <a:endParaRPr lang="en-US" dirty="0"/>
-          </a:p>
-          <a:p>
-            <a:r>
-              <a:rPr lang="en-US" dirty="0" err="1"/>
-              <a:t>Renkulab</a:t>
-            </a:r>
-            <a:r>
-              <a:rPr lang="en-US" dirty="0"/>
-              <a:t> project (compute environment):</a:t>
-            </a:r>
-          </a:p>
-          <a:p>
-            <a:pPr lvl="1"/>
-            <a:r>
-              <a:rPr lang="de-CH" dirty="0">
-                <a:hlinkClick r:id="rId5"/>
-              </a:rPr>
-              <a:t>https://renkulab.io/projects/stadler.michael/adv_scrnaseq_2020</a:t>
-            </a:r>
-            <a:endParaRPr lang="en-US" dirty="0"/>
-          </a:p>
-          <a:p>
-            <a:r>
-              <a:rPr lang="en-US" dirty="0"/>
-              <a:t>R/Python:</a:t>
-            </a:r>
-          </a:p>
-          <a:p>
-            <a:pPr lvl="1"/>
-            <a:r>
-              <a:rPr lang="de-CH" dirty="0">
-                <a:hlinkClick r:id="rId6"/>
-              </a:rPr>
-              <a:t>https://rstudio.github.io/reticulate/</a:t>
-            </a:r>
-            <a:endParaRPr lang="de-CH" dirty="0"/>
-          </a:p>
-          <a:p>
-            <a:pPr lvl="1"/>
-            <a:r>
-              <a:rPr lang="de-CH" dirty="0">
-                <a:hlinkClick r:id="rId7"/>
-              </a:rPr>
-              <a:t>https://rpy2.github.io/</a:t>
-            </a:r>
-            <a:endParaRPr lang="en-US" dirty="0"/>
-          </a:p>
-          <a:p>
-            <a:r>
-              <a:rPr lang="en-US" dirty="0"/>
-              <a:t>Single cell RNA-seq analysis:</a:t>
-            </a:r>
-          </a:p>
-          <a:p>
-            <a:pPr lvl="1"/>
-            <a:r>
-              <a:rPr lang="de-CH" dirty="0">
-                <a:hlinkClick r:id="rId8"/>
-              </a:rPr>
-              <a:t>https://osca.bioconductor.org/</a:t>
-            </a:r>
-            <a:endParaRPr lang="en-US" dirty="0"/>
-          </a:p>
-          <a:p>
-            <a:endParaRPr lang="de-CH" dirty="0"/>
+          <a:bodyPr/>
+          <a:lstStyle/>
+          <a:p>
+            <a:endParaRPr lang="de-CH"/>
           </a:p>
         </p:txBody>
       </p:sp>
     </p:spTree>
     <p:extLst>
       <p:ext uri="{BB962C8B-B14F-4D97-AF65-F5344CB8AC3E}">
-        <p14:creationId xmlns:p14="http://schemas.microsoft.com/office/powerpoint/2010/main" val="2628738716"/>
+        <p14:creationId xmlns:p14="http://schemas.microsoft.com/office/powerpoint/2010/main" val="1552559369"/>
+      </p:ext>
+    </p:extLst>
+  </p:cSld>
+  <p:clrMapOvr>
+    <a:masterClrMapping/>
+  </p:clrMapOvr>
+</p:sld>
+</file>
+
+<file path=ppt/slides/slide8.xml><?xml version="1.0" encoding="utf-8"?>
+<p:sld xmlns:a="http://schemas.openxmlformats.org/drawingml/2006/main" xmlns:r="http://schemas.openxmlformats.org/officeDocument/2006/relationships" xmlns:p="http://schemas.openxmlformats.org/presentationml/2006/main">
+  <p:cSld>
+    <p:spTree>
+      <p:nvGrpSpPr>
+        <p:cNvPr id="1" name=""/>
+        <p:cNvGrpSpPr/>
+        <p:nvPr/>
+      </p:nvGrpSpPr>
+      <p:grpSpPr>
+        <a:xfrm>
+          <a:off x="0" y="0"/>
+          <a:ext cx="0" cy="0"/>
+          <a:chOff x="0" y="0"/>
+          <a:chExt cx="0" cy="0"/>
+        </a:xfrm>
+      </p:grpSpPr>
+      <p:sp>
+        <p:nvSpPr>
+          <p:cNvPr id="2" name="Titel 1">
+            <a:extLst>
+              <a:ext uri="{FF2B5EF4-FFF2-40B4-BE49-F238E27FC236}">
+                <a16:creationId xmlns:a16="http://schemas.microsoft.com/office/drawing/2014/main" id="{4D042ED6-D651-4B6C-B529-20520C125ECC}"/>
+              </a:ext>
+            </a:extLst>
+          </p:cNvPr>
+          <p:cNvSpPr>
+            <a:spLocks noGrp="1"/>
+          </p:cNvSpPr>
+          <p:nvPr>
+            <p:ph type="title"/>
+          </p:nvPr>
+        </p:nvSpPr>
+        <p:spPr/>
+        <p:txBody>
+          <a:bodyPr/>
+          <a:lstStyle/>
+          <a:p>
+            <a:r>
+              <a:rPr lang="en-US" dirty="0"/>
+              <a:t>Expected Prerequisites</a:t>
+            </a:r>
+            <a:endParaRPr lang="de-CH" dirty="0"/>
+          </a:p>
+        </p:txBody>
+      </p:sp>
+      <p:sp>
+        <p:nvSpPr>
+          <p:cNvPr id="3" name="Inhaltsplatzhalter 2">
+            <a:extLst>
+              <a:ext uri="{FF2B5EF4-FFF2-40B4-BE49-F238E27FC236}">
+                <a16:creationId xmlns:a16="http://schemas.microsoft.com/office/drawing/2014/main" id="{384EC0E0-1BEE-440A-9926-4D97BECD555F}"/>
+              </a:ext>
+            </a:extLst>
+          </p:cNvPr>
+          <p:cNvSpPr>
+            <a:spLocks noGrp="1"/>
+          </p:cNvSpPr>
+          <p:nvPr>
+            <p:ph idx="1"/>
+          </p:nvPr>
+        </p:nvSpPr>
+        <p:spPr/>
+        <p:txBody>
+          <a:bodyPr/>
+          <a:lstStyle/>
+          <a:p>
+            <a:r>
+              <a:rPr lang="en-US" dirty="0"/>
+              <a:t>R/python scripting (link1, link2)</a:t>
+            </a:r>
+          </a:p>
+          <a:p>
+            <a:r>
+              <a:rPr lang="en-US" dirty="0"/>
+              <a:t>git</a:t>
+            </a:r>
+          </a:p>
+          <a:p>
+            <a:r>
+              <a:rPr lang="en-US" dirty="0"/>
+              <a:t>Single cell analysis workflow (link1, link2)</a:t>
+            </a:r>
+            <a:endParaRPr lang="de-CH" dirty="0"/>
+          </a:p>
+        </p:txBody>
+      </p:sp>
+    </p:spTree>
+    <p:extLst>
+      <p:ext uri="{BB962C8B-B14F-4D97-AF65-F5344CB8AC3E}">
+        <p14:creationId xmlns:p14="http://schemas.microsoft.com/office/powerpoint/2010/main" val="3553487950"/>
+      </p:ext>
+    </p:extLst>
+  </p:cSld>
+  <p:clrMapOvr>
+    <a:masterClrMapping/>
+  </p:clrMapOvr>
+</p:sld>
+</file>
+
+<file path=ppt/slides/slide9.xml><?xml version="1.0" encoding="utf-8"?>
+<p:sld xmlns:a="http://schemas.openxmlformats.org/drawingml/2006/main" xmlns:r="http://schemas.openxmlformats.org/officeDocument/2006/relationships" xmlns:p="http://schemas.openxmlformats.org/presentationml/2006/main">
+  <p:cSld>
+    <p:spTree>
+      <p:nvGrpSpPr>
+        <p:cNvPr id="1" name=""/>
+        <p:cNvGrpSpPr/>
+        <p:nvPr/>
+      </p:nvGrpSpPr>
+      <p:grpSpPr>
+        <a:xfrm>
+          <a:off x="0" y="0"/>
+          <a:ext cx="0" cy="0"/>
+          <a:chOff x="0" y="0"/>
+          <a:chExt cx="0" cy="0"/>
+        </a:xfrm>
+      </p:grpSpPr>
+      <p:sp>
+        <p:nvSpPr>
+          <p:cNvPr id="2" name="Titel 1">
+            <a:extLst>
+              <a:ext uri="{FF2B5EF4-FFF2-40B4-BE49-F238E27FC236}">
+                <a16:creationId xmlns:a16="http://schemas.microsoft.com/office/drawing/2014/main" id="{E8E86940-593D-4256-BA84-A6D13BCA922A}"/>
+              </a:ext>
+            </a:extLst>
+          </p:cNvPr>
+          <p:cNvSpPr>
+            <a:spLocks noGrp="1"/>
+          </p:cNvSpPr>
+          <p:nvPr>
+            <p:ph type="title"/>
+          </p:nvPr>
+        </p:nvSpPr>
+        <p:spPr/>
+        <p:txBody>
+          <a:bodyPr/>
+          <a:lstStyle/>
+          <a:p>
+            <a:r>
+              <a:rPr lang="en-US" dirty="0"/>
+              <a:t>“Ice-breaker”</a:t>
+            </a:r>
+            <a:endParaRPr lang="de-CH" dirty="0"/>
+          </a:p>
+        </p:txBody>
+      </p:sp>
+      <p:sp>
+        <p:nvSpPr>
+          <p:cNvPr id="3" name="Inhaltsplatzhalter 2">
+            <a:extLst>
+              <a:ext uri="{FF2B5EF4-FFF2-40B4-BE49-F238E27FC236}">
+                <a16:creationId xmlns:a16="http://schemas.microsoft.com/office/drawing/2014/main" id="{938C2D13-53DC-46BB-92FD-89C3B3DED61D}"/>
+              </a:ext>
+            </a:extLst>
+          </p:cNvPr>
+          <p:cNvSpPr>
+            <a:spLocks noGrp="1"/>
+          </p:cNvSpPr>
+          <p:nvPr>
+            <p:ph idx="1"/>
+          </p:nvPr>
+        </p:nvSpPr>
+        <p:spPr/>
+        <p:txBody>
+          <a:bodyPr/>
+          <a:lstStyle/>
+          <a:p>
+            <a:endParaRPr lang="de-CH"/>
+          </a:p>
+        </p:txBody>
+      </p:sp>
+    </p:spTree>
+    <p:extLst>
+      <p:ext uri="{BB962C8B-B14F-4D97-AF65-F5344CB8AC3E}">
+        <p14:creationId xmlns:p14="http://schemas.microsoft.com/office/powerpoint/2010/main" val="1398658155"/>
       </p:ext>
     </p:extLst>
   </p:cSld>

--- a/introduction/Introduction.pptx
+++ b/introduction/Introduction.pptx
@@ -11,10 +11,12 @@
     <p:sldId id="263" r:id="rId5"/>
     <p:sldId id="265" r:id="rId6"/>
     <p:sldId id="264" r:id="rId7"/>
-    <p:sldId id="258" r:id="rId8"/>
-    <p:sldId id="259" r:id="rId9"/>
-    <p:sldId id="260" r:id="rId10"/>
-    <p:sldId id="262" r:id="rId11"/>
+    <p:sldId id="260" r:id="rId8"/>
+    <p:sldId id="258" r:id="rId9"/>
+    <p:sldId id="266" r:id="rId10"/>
+    <p:sldId id="267" r:id="rId11"/>
+    <p:sldId id="259" r:id="rId12"/>
+    <p:sldId id="262" r:id="rId13"/>
   </p:sldIdLst>
   <p:sldSz cx="12192000" cy="6858000"/>
   <p:notesSz cx="6858000" cy="9144000"/>
@@ -270,7 +272,7 @@
           <a:p>
             <a:fld id="{5BCDAFFE-4955-4456-973D-88ADB759138A}" type="datetimeFigureOut">
               <a:rPr lang="de-CH" smtClean="0"/>
-              <a:t>23.05.20</a:t>
+              <a:t>24.05.20</a:t>
             </a:fld>
             <a:endParaRPr lang="de-CH"/>
           </a:p>
@@ -470,7 +472,7 @@
           <a:p>
             <a:fld id="{5BCDAFFE-4955-4456-973D-88ADB759138A}" type="datetimeFigureOut">
               <a:rPr lang="de-CH" smtClean="0"/>
-              <a:t>23.05.20</a:t>
+              <a:t>24.05.20</a:t>
             </a:fld>
             <a:endParaRPr lang="de-CH"/>
           </a:p>
@@ -680,7 +682,7 @@
           <a:p>
             <a:fld id="{5BCDAFFE-4955-4456-973D-88ADB759138A}" type="datetimeFigureOut">
               <a:rPr lang="de-CH" smtClean="0"/>
-              <a:t>23.05.20</a:t>
+              <a:t>24.05.20</a:t>
             </a:fld>
             <a:endParaRPr lang="de-CH"/>
           </a:p>
@@ -880,7 +882,7 @@
           <a:p>
             <a:fld id="{5BCDAFFE-4955-4456-973D-88ADB759138A}" type="datetimeFigureOut">
               <a:rPr lang="de-CH" smtClean="0"/>
-              <a:t>23.05.20</a:t>
+              <a:t>24.05.20</a:t>
             </a:fld>
             <a:endParaRPr lang="de-CH"/>
           </a:p>
@@ -1156,7 +1158,7 @@
           <a:p>
             <a:fld id="{5BCDAFFE-4955-4456-973D-88ADB759138A}" type="datetimeFigureOut">
               <a:rPr lang="de-CH" smtClean="0"/>
-              <a:t>23.05.20</a:t>
+              <a:t>24.05.20</a:t>
             </a:fld>
             <a:endParaRPr lang="de-CH"/>
           </a:p>
@@ -1424,7 +1426,7 @@
           <a:p>
             <a:fld id="{5BCDAFFE-4955-4456-973D-88ADB759138A}" type="datetimeFigureOut">
               <a:rPr lang="de-CH" smtClean="0"/>
-              <a:t>23.05.20</a:t>
+              <a:t>24.05.20</a:t>
             </a:fld>
             <a:endParaRPr lang="de-CH"/>
           </a:p>
@@ -1839,7 +1841,7 @@
           <a:p>
             <a:fld id="{5BCDAFFE-4955-4456-973D-88ADB759138A}" type="datetimeFigureOut">
               <a:rPr lang="de-CH" smtClean="0"/>
-              <a:t>23.05.20</a:t>
+              <a:t>24.05.20</a:t>
             </a:fld>
             <a:endParaRPr lang="de-CH"/>
           </a:p>
@@ -1981,7 +1983,7 @@
           <a:p>
             <a:fld id="{5BCDAFFE-4955-4456-973D-88ADB759138A}" type="datetimeFigureOut">
               <a:rPr lang="de-CH" smtClean="0"/>
-              <a:t>23.05.20</a:t>
+              <a:t>24.05.20</a:t>
             </a:fld>
             <a:endParaRPr lang="de-CH"/>
           </a:p>
@@ -2094,7 +2096,7 @@
           <a:p>
             <a:fld id="{5BCDAFFE-4955-4456-973D-88ADB759138A}" type="datetimeFigureOut">
               <a:rPr lang="de-CH" smtClean="0"/>
-              <a:t>23.05.20</a:t>
+              <a:t>24.05.20</a:t>
             </a:fld>
             <a:endParaRPr lang="de-CH"/>
           </a:p>
@@ -2407,7 +2409,7 @@
           <a:p>
             <a:fld id="{5BCDAFFE-4955-4456-973D-88ADB759138A}" type="datetimeFigureOut">
               <a:rPr lang="de-CH" smtClean="0"/>
-              <a:t>23.05.20</a:t>
+              <a:t>24.05.20</a:t>
             </a:fld>
             <a:endParaRPr lang="de-CH"/>
           </a:p>
@@ -2696,7 +2698,7 @@
           <a:p>
             <a:fld id="{5BCDAFFE-4955-4456-973D-88ADB759138A}" type="datetimeFigureOut">
               <a:rPr lang="de-CH" smtClean="0"/>
-              <a:t>23.05.20</a:t>
+              <a:t>24.05.20</a:t>
             </a:fld>
             <a:endParaRPr lang="de-CH"/>
           </a:p>
@@ -2939,7 +2941,7 @@
           <a:p>
             <a:fld id="{5BCDAFFE-4955-4456-973D-88ADB759138A}" type="datetimeFigureOut">
               <a:rPr lang="de-CH" smtClean="0"/>
-              <a:t>23.05.20</a:t>
+              <a:t>24.05.20</a:t>
             </a:fld>
             <a:endParaRPr lang="de-CH"/>
           </a:p>
@@ -3605,6 +3607,200 @@
           <p:cNvPr id="2" name="Titel 1">
             <a:extLst>
               <a:ext uri="{FF2B5EF4-FFF2-40B4-BE49-F238E27FC236}">
+                <a16:creationId xmlns:a16="http://schemas.microsoft.com/office/drawing/2014/main" id="{79942839-1E0C-44B8-8ECD-CDEB1364CA1E}"/>
+              </a:ext>
+            </a:extLst>
+          </p:cNvPr>
+          <p:cNvSpPr>
+            <a:spLocks noGrp="1"/>
+          </p:cNvSpPr>
+          <p:nvPr>
+            <p:ph type="title"/>
+          </p:nvPr>
+        </p:nvSpPr>
+        <p:spPr/>
+        <p:txBody>
+          <a:bodyPr/>
+          <a:lstStyle/>
+          <a:p>
+            <a:r>
+              <a:rPr lang="en-US" dirty="0"/>
+              <a:t>Course Overview (Program)</a:t>
+            </a:r>
+            <a:endParaRPr lang="de-CH" dirty="0"/>
+          </a:p>
+        </p:txBody>
+      </p:sp>
+      <p:pic>
+        <p:nvPicPr>
+          <p:cNvPr id="7" name="Content Placeholder 6">
+            <a:extLst>
+              <a:ext uri="{FF2B5EF4-FFF2-40B4-BE49-F238E27FC236}">
+                <a16:creationId xmlns:a16="http://schemas.microsoft.com/office/drawing/2014/main" id="{3F24AA21-51A9-8441-B20B-EE64806ECC6F}"/>
+              </a:ext>
+            </a:extLst>
+          </p:cNvPr>
+          <p:cNvPicPr>
+            <a:picLocks noGrp="1" noChangeAspect="1"/>
+          </p:cNvPicPr>
+          <p:nvPr>
+            <p:ph idx="1"/>
+          </p:nvPr>
+        </p:nvPicPr>
+        <p:blipFill>
+          <a:blip r:embed="rId2">
+            <a:extLst>
+              <a:ext uri="{28A0092B-C50C-407E-A947-70E740481C1C}">
+                <a14:useLocalDpi xmlns:a14="http://schemas.microsoft.com/office/drawing/2010/main" val="0"/>
+              </a:ext>
+            </a:extLst>
+          </a:blip>
+          <a:stretch>
+            <a:fillRect/>
+          </a:stretch>
+        </p:blipFill>
+        <p:spPr>
+          <a:xfrm>
+            <a:off x="2416373" y="1499394"/>
+            <a:ext cx="7359253" cy="4906169"/>
+          </a:xfrm>
+        </p:spPr>
+      </p:pic>
+    </p:spTree>
+    <p:extLst>
+      <p:ext uri="{BB962C8B-B14F-4D97-AF65-F5344CB8AC3E}">
+        <p14:creationId xmlns:p14="http://schemas.microsoft.com/office/powerpoint/2010/main" val="3201577549"/>
+      </p:ext>
+    </p:extLst>
+  </p:cSld>
+  <p:clrMapOvr>
+    <a:masterClrMapping/>
+  </p:clrMapOvr>
+</p:sld>
+</file>
+
+<file path=ppt/slides/slide11.xml><?xml version="1.0" encoding="utf-8"?>
+<p:sld xmlns:a="http://schemas.openxmlformats.org/drawingml/2006/main" xmlns:r="http://schemas.openxmlformats.org/officeDocument/2006/relationships" xmlns:p="http://schemas.openxmlformats.org/presentationml/2006/main">
+  <p:cSld>
+    <p:spTree>
+      <p:nvGrpSpPr>
+        <p:cNvPr id="1" name=""/>
+        <p:cNvGrpSpPr/>
+        <p:nvPr/>
+      </p:nvGrpSpPr>
+      <p:grpSpPr>
+        <a:xfrm>
+          <a:off x="0" y="0"/>
+          <a:ext cx="0" cy="0"/>
+          <a:chOff x="0" y="0"/>
+          <a:chExt cx="0" cy="0"/>
+        </a:xfrm>
+      </p:grpSpPr>
+      <p:sp>
+        <p:nvSpPr>
+          <p:cNvPr id="2" name="Titel 1">
+            <a:extLst>
+              <a:ext uri="{FF2B5EF4-FFF2-40B4-BE49-F238E27FC236}">
+                <a16:creationId xmlns:a16="http://schemas.microsoft.com/office/drawing/2014/main" id="{4D042ED6-D651-4B6C-B529-20520C125ECC}"/>
+              </a:ext>
+            </a:extLst>
+          </p:cNvPr>
+          <p:cNvSpPr>
+            <a:spLocks noGrp="1"/>
+          </p:cNvSpPr>
+          <p:nvPr>
+            <p:ph type="title"/>
+          </p:nvPr>
+        </p:nvSpPr>
+        <p:spPr/>
+        <p:txBody>
+          <a:bodyPr/>
+          <a:lstStyle/>
+          <a:p>
+            <a:r>
+              <a:rPr lang="en-US" dirty="0"/>
+              <a:t>Expected Prerequisites</a:t>
+            </a:r>
+            <a:endParaRPr lang="de-CH" dirty="0"/>
+          </a:p>
+        </p:txBody>
+      </p:sp>
+      <p:sp>
+        <p:nvSpPr>
+          <p:cNvPr id="3" name="Inhaltsplatzhalter 2">
+            <a:extLst>
+              <a:ext uri="{FF2B5EF4-FFF2-40B4-BE49-F238E27FC236}">
+                <a16:creationId xmlns:a16="http://schemas.microsoft.com/office/drawing/2014/main" id="{384EC0E0-1BEE-440A-9926-4D97BECD555F}"/>
+              </a:ext>
+            </a:extLst>
+          </p:cNvPr>
+          <p:cNvSpPr>
+            <a:spLocks noGrp="1"/>
+          </p:cNvSpPr>
+          <p:nvPr>
+            <p:ph idx="1"/>
+          </p:nvPr>
+        </p:nvSpPr>
+        <p:spPr/>
+        <p:txBody>
+          <a:bodyPr/>
+          <a:lstStyle/>
+          <a:p>
+            <a:r>
+              <a:rPr lang="en-US" dirty="0"/>
+              <a:t>R/python scripting (link1, link2)</a:t>
+            </a:r>
+          </a:p>
+          <a:p>
+            <a:r>
+              <a:rPr lang="en-US" dirty="0"/>
+              <a:t>git</a:t>
+            </a:r>
+          </a:p>
+          <a:p>
+            <a:r>
+              <a:rPr lang="en-US" dirty="0"/>
+              <a:t>Single cell analysis workflow (link1, link2)</a:t>
+            </a:r>
+            <a:endParaRPr lang="de-CH" dirty="0"/>
+          </a:p>
+        </p:txBody>
+      </p:sp>
+    </p:spTree>
+    <p:extLst>
+      <p:ext uri="{BB962C8B-B14F-4D97-AF65-F5344CB8AC3E}">
+        <p14:creationId xmlns:p14="http://schemas.microsoft.com/office/powerpoint/2010/main" val="3553487950"/>
+      </p:ext>
+    </p:extLst>
+  </p:cSld>
+  <p:clrMapOvr>
+    <a:masterClrMapping/>
+  </p:clrMapOvr>
+</p:sld>
+</file>
+
+<file path=ppt/slides/slide12.xml><?xml version="1.0" encoding="utf-8"?>
+<p:sld xmlns:a="http://schemas.openxmlformats.org/drawingml/2006/main" xmlns:r="http://schemas.openxmlformats.org/officeDocument/2006/relationships" xmlns:p="http://schemas.openxmlformats.org/presentationml/2006/main">
+  <p:cSld>
+    <p:spTree>
+      <p:nvGrpSpPr>
+        <p:cNvPr id="1" name=""/>
+        <p:cNvGrpSpPr/>
+        <p:nvPr/>
+      </p:nvGrpSpPr>
+      <p:grpSpPr>
+        <a:xfrm>
+          <a:off x="0" y="0"/>
+          <a:ext cx="0" cy="0"/>
+          <a:chOff x="0" y="0"/>
+          <a:chExt cx="0" cy="0"/>
+        </a:xfrm>
+      </p:grpSpPr>
+      <p:sp>
+        <p:nvSpPr>
+          <p:cNvPr id="2" name="Titel 1">
+            <a:extLst>
+              <a:ext uri="{FF2B5EF4-FFF2-40B4-BE49-F238E27FC236}">
                 <a16:creationId xmlns:a16="http://schemas.microsoft.com/office/drawing/2014/main" id="{AAC192EC-D28B-4227-BAF6-8578DB5C92AB}"/>
               </a:ext>
             </a:extLst>
@@ -4544,7 +4740,7 @@
           <p:cNvPr id="2" name="Titel 1">
             <a:extLst>
               <a:ext uri="{FF2B5EF4-FFF2-40B4-BE49-F238E27FC236}">
-                <a16:creationId xmlns:a16="http://schemas.microsoft.com/office/drawing/2014/main" id="{79942839-1E0C-44B8-8ECD-CDEB1364CA1E}"/>
+                <a16:creationId xmlns:a16="http://schemas.microsoft.com/office/drawing/2014/main" id="{E8E86940-593D-4256-BA84-A6D13BCA922A}"/>
               </a:ext>
             </a:extLst>
           </p:cNvPr>
@@ -4562,7 +4758,7 @@
           <a:p>
             <a:r>
               <a:rPr lang="en-US" dirty="0"/>
-              <a:t>Course Overview (Program)</a:t>
+              <a:t>“Ice-breaker” + Zoom feedback testing</a:t>
             </a:r>
             <a:endParaRPr lang="de-CH" dirty="0"/>
           </a:p>
@@ -4573,7 +4769,7 @@
           <p:cNvPr id="3" name="Inhaltsplatzhalter 2">
             <a:extLst>
               <a:ext uri="{FF2B5EF4-FFF2-40B4-BE49-F238E27FC236}">
-                <a16:creationId xmlns:a16="http://schemas.microsoft.com/office/drawing/2014/main" id="{CA14E9B3-69A4-4AEA-9C2A-08B1379DB9BD}"/>
+                <a16:creationId xmlns:a16="http://schemas.microsoft.com/office/drawing/2014/main" id="{938C2D13-53DC-46BB-92FD-89C3B3DED61D}"/>
               </a:ext>
             </a:extLst>
           </p:cNvPr>
@@ -4596,7 +4792,7 @@
     </p:spTree>
     <p:extLst>
       <p:ext uri="{BB962C8B-B14F-4D97-AF65-F5344CB8AC3E}">
-        <p14:creationId xmlns:p14="http://schemas.microsoft.com/office/powerpoint/2010/main" val="1552559369"/>
+        <p14:creationId xmlns:p14="http://schemas.microsoft.com/office/powerpoint/2010/main" val="1398658155"/>
       </p:ext>
     </p:extLst>
   </p:cSld>
@@ -4628,7 +4824,7 @@
           <p:cNvPr id="2" name="Titel 1">
             <a:extLst>
               <a:ext uri="{FF2B5EF4-FFF2-40B4-BE49-F238E27FC236}">
-                <a16:creationId xmlns:a16="http://schemas.microsoft.com/office/drawing/2014/main" id="{4D042ED6-D651-4B6C-B529-20520C125ECC}"/>
+                <a16:creationId xmlns:a16="http://schemas.microsoft.com/office/drawing/2014/main" id="{79942839-1E0C-44B8-8ECD-CDEB1364CA1E}"/>
               </a:ext>
             </a:extLst>
           </p:cNvPr>
@@ -4646,57 +4842,51 @@
           <a:p>
             <a:r>
               <a:rPr lang="en-US" dirty="0"/>
-              <a:t>Expected Prerequisites</a:t>
+              <a:t>Course Overview (Program)</a:t>
             </a:r>
             <a:endParaRPr lang="de-CH" dirty="0"/>
           </a:p>
         </p:txBody>
       </p:sp>
-      <p:sp>
-        <p:nvSpPr>
-          <p:cNvPr id="3" name="Inhaltsplatzhalter 2">
-            <a:extLst>
-              <a:ext uri="{FF2B5EF4-FFF2-40B4-BE49-F238E27FC236}">
-                <a16:creationId xmlns:a16="http://schemas.microsoft.com/office/drawing/2014/main" id="{384EC0E0-1BEE-440A-9926-4D97BECD555F}"/>
-              </a:ext>
-            </a:extLst>
-          </p:cNvPr>
-          <p:cNvSpPr>
-            <a:spLocks noGrp="1"/>
-          </p:cNvSpPr>
+      <p:pic>
+        <p:nvPicPr>
+          <p:cNvPr id="5" name="Content Placeholder 4">
+            <a:extLst>
+              <a:ext uri="{FF2B5EF4-FFF2-40B4-BE49-F238E27FC236}">
+                <a16:creationId xmlns:a16="http://schemas.microsoft.com/office/drawing/2014/main" id="{2073E391-AA23-6E4D-8283-ED09F2C48641}"/>
+              </a:ext>
+            </a:extLst>
+          </p:cNvPr>
+          <p:cNvPicPr>
+            <a:picLocks noGrp="1" noChangeAspect="1"/>
+          </p:cNvPicPr>
           <p:nvPr>
             <p:ph idx="1"/>
           </p:nvPr>
-        </p:nvSpPr>
-        <p:spPr/>
-        <p:txBody>
-          <a:bodyPr/>
-          <a:lstStyle/>
-          <a:p>
-            <a:r>
-              <a:rPr lang="en-US" dirty="0"/>
-              <a:t>R/python scripting (link1, link2)</a:t>
-            </a:r>
-          </a:p>
-          <a:p>
-            <a:r>
-              <a:rPr lang="en-US" dirty="0"/>
-              <a:t>git</a:t>
-            </a:r>
-          </a:p>
-          <a:p>
-            <a:r>
-              <a:rPr lang="en-US" dirty="0"/>
-              <a:t>Single cell analysis workflow (link1, link2)</a:t>
-            </a:r>
-            <a:endParaRPr lang="de-CH" dirty="0"/>
-          </a:p>
-        </p:txBody>
-      </p:sp>
+        </p:nvPicPr>
+        <p:blipFill>
+          <a:blip r:embed="rId2">
+            <a:extLst>
+              <a:ext uri="{28A0092B-C50C-407E-A947-70E740481C1C}">
+                <a14:useLocalDpi xmlns:a14="http://schemas.microsoft.com/office/drawing/2010/main" val="0"/>
+              </a:ext>
+            </a:extLst>
+          </a:blip>
+          <a:stretch>
+            <a:fillRect/>
+          </a:stretch>
+        </p:blipFill>
+        <p:spPr>
+          <a:xfrm>
+            <a:off x="3187535" y="1404107"/>
+            <a:ext cx="5816930" cy="5088768"/>
+          </a:xfrm>
+        </p:spPr>
+      </p:pic>
     </p:spTree>
     <p:extLst>
       <p:ext uri="{BB962C8B-B14F-4D97-AF65-F5344CB8AC3E}">
-        <p14:creationId xmlns:p14="http://schemas.microsoft.com/office/powerpoint/2010/main" val="3553487950"/>
+        <p14:creationId xmlns:p14="http://schemas.microsoft.com/office/powerpoint/2010/main" val="1552559369"/>
       </p:ext>
     </p:extLst>
   </p:cSld>
@@ -4728,7 +4918,7 @@
           <p:cNvPr id="2" name="Titel 1">
             <a:extLst>
               <a:ext uri="{FF2B5EF4-FFF2-40B4-BE49-F238E27FC236}">
-                <a16:creationId xmlns:a16="http://schemas.microsoft.com/office/drawing/2014/main" id="{E8E86940-593D-4256-BA84-A6D13BCA922A}"/>
+                <a16:creationId xmlns:a16="http://schemas.microsoft.com/office/drawing/2014/main" id="{79942839-1E0C-44B8-8ECD-CDEB1364CA1E}"/>
               </a:ext>
             </a:extLst>
           </p:cNvPr>
@@ -4746,41 +4936,51 @@
           <a:p>
             <a:r>
               <a:rPr lang="en-US" dirty="0"/>
-              <a:t>“Ice-breaker”</a:t>
+              <a:t>Course Overview (Program)</a:t>
             </a:r>
             <a:endParaRPr lang="de-CH" dirty="0"/>
           </a:p>
         </p:txBody>
       </p:sp>
-      <p:sp>
-        <p:nvSpPr>
-          <p:cNvPr id="3" name="Inhaltsplatzhalter 2">
-            <a:extLst>
-              <a:ext uri="{FF2B5EF4-FFF2-40B4-BE49-F238E27FC236}">
-                <a16:creationId xmlns:a16="http://schemas.microsoft.com/office/drawing/2014/main" id="{938C2D13-53DC-46BB-92FD-89C3B3DED61D}"/>
-              </a:ext>
-            </a:extLst>
-          </p:cNvPr>
-          <p:cNvSpPr>
-            <a:spLocks noGrp="1"/>
-          </p:cNvSpPr>
+      <p:pic>
+        <p:nvPicPr>
+          <p:cNvPr id="7" name="Content Placeholder 6">
+            <a:extLst>
+              <a:ext uri="{FF2B5EF4-FFF2-40B4-BE49-F238E27FC236}">
+                <a16:creationId xmlns:a16="http://schemas.microsoft.com/office/drawing/2014/main" id="{97EC3C39-5D1F-DF47-801E-D2C4E563FF75}"/>
+              </a:ext>
+            </a:extLst>
+          </p:cNvPr>
+          <p:cNvPicPr>
+            <a:picLocks noGrp="1" noChangeAspect="1"/>
+          </p:cNvPicPr>
           <p:nvPr>
             <p:ph idx="1"/>
           </p:nvPr>
-        </p:nvSpPr>
-        <p:spPr/>
-        <p:txBody>
-          <a:bodyPr/>
-          <a:lstStyle/>
-          <a:p>
-            <a:endParaRPr lang="de-CH"/>
-          </a:p>
-        </p:txBody>
-      </p:sp>
+        </p:nvPicPr>
+        <p:blipFill>
+          <a:blip r:embed="rId2">
+            <a:extLst>
+              <a:ext uri="{28A0092B-C50C-407E-A947-70E740481C1C}">
+                <a14:useLocalDpi xmlns:a14="http://schemas.microsoft.com/office/drawing/2010/main" val="0"/>
+              </a:ext>
+            </a:extLst>
+          </a:blip>
+          <a:stretch>
+            <a:fillRect/>
+          </a:stretch>
+        </p:blipFill>
+        <p:spPr>
+          <a:xfrm>
+            <a:off x="2325667" y="1544634"/>
+            <a:ext cx="7540666" cy="4746629"/>
+          </a:xfrm>
+        </p:spPr>
+      </p:pic>
     </p:spTree>
     <p:extLst>
       <p:ext uri="{BB962C8B-B14F-4D97-AF65-F5344CB8AC3E}">
-        <p14:creationId xmlns:p14="http://schemas.microsoft.com/office/powerpoint/2010/main" val="1398658155"/>
+        <p14:creationId xmlns:p14="http://schemas.microsoft.com/office/powerpoint/2010/main" val="814386694"/>
       </p:ext>
     </p:extLst>
   </p:cSld>
